--- a/class/mid-tearm.pptx
+++ b/class/mid-tearm.pptx
@@ -105,6 +105,11 @@
       </a:defRPr>
     </a:lvl9pPr>
   </p:defaultTextStyle>
+  <p:extLst>
+    <p:ext uri="{EFAFB233-063F-42B5-8137-9DF3F51BA10A}">
+      <p15:sldGuideLst xmlns:p15="http://schemas.microsoft.com/office/powerpoint/2012/main"/>
+    </p:ext>
+  </p:extLst>
 </p:presentation>
 </file>
 
@@ -3350,7 +3355,7 @@
           </a:bodyPr>
           <a:lstStyle/>
           <a:p>
-            <a:pPr algn="r" rtl="1"/>
+            <a:pPr rtl="1"/>
             <a:r>
               <a:rPr lang="fa-IR" sz="3200" dirty="0">
                 <a:cs typeface="B Titr" panose="00000700000000000000" pitchFamily="2" charset="-78"/>
